--- a/Calendario2024/presentaciones/14_POO.pptx
+++ b/Calendario2024/presentaciones/14_POO.pptx
@@ -264,7 +264,7 @@
           <a:p>
             <a:fld id="{DDE721D5-655F-45D2-B717-3C4CD78C8568}" type="datetimeFigureOut">
               <a:rPr lang="es-MX" smtClean="0"/>
-              <a:t>24/08/2023</a:t>
+              <a:t>29/02/2024</a:t>
             </a:fld>
             <a:endParaRPr lang="es-MX" dirty="0"/>
           </a:p>
@@ -423,7 +423,7 @@
           <a:p>
             <a:fld id="{6BAB4312-99A1-4CE9-ACE7-4C62E9FD90EE}" type="slidenum">
               <a:rPr lang="es-MX" smtClean="0"/>
-              <a:t>‹Nº›</a:t>
+              <a:t>‹#›</a:t>
             </a:fld>
             <a:endParaRPr lang="es-MX" dirty="0"/>
           </a:p>
@@ -1183,7 +1183,7 @@
           <a:p>
             <a:fld id="{B3F3E716-CACC-4490-AD07-F24B6A68DE47}" type="datetimeFigureOut">
               <a:rPr lang="es-MX" smtClean="0"/>
-              <a:t>24/08/2023</a:t>
+              <a:t>29/02/2024</a:t>
             </a:fld>
             <a:endParaRPr lang="es-MX" dirty="0"/>
           </a:p>
@@ -1225,7 +1225,7 @@
           <a:p>
             <a:fld id="{52A58D3C-5A37-463D-B2C9-8DF65AE0B01C}" type="slidenum">
               <a:rPr lang="es-MX" smtClean="0"/>
-              <a:t>‹Nº›</a:t>
+              <a:t>‹#›</a:t>
             </a:fld>
             <a:endParaRPr lang="es-MX" dirty="0"/>
           </a:p>
@@ -1353,7 +1353,7 @@
           <a:p>
             <a:fld id="{B3F3E716-CACC-4490-AD07-F24B6A68DE47}" type="datetimeFigureOut">
               <a:rPr lang="es-MX" smtClean="0"/>
-              <a:t>24/08/2023</a:t>
+              <a:t>29/02/2024</a:t>
             </a:fld>
             <a:endParaRPr lang="es-MX" dirty="0"/>
           </a:p>
@@ -1395,7 +1395,7 @@
           <a:p>
             <a:fld id="{52A58D3C-5A37-463D-B2C9-8DF65AE0B01C}" type="slidenum">
               <a:rPr lang="es-MX" smtClean="0"/>
-              <a:t>‹Nº›</a:t>
+              <a:t>‹#›</a:t>
             </a:fld>
             <a:endParaRPr lang="es-MX" dirty="0"/>
           </a:p>
@@ -1533,7 +1533,7 @@
           <a:p>
             <a:fld id="{B3F3E716-CACC-4490-AD07-F24B6A68DE47}" type="datetimeFigureOut">
               <a:rPr lang="es-MX" smtClean="0"/>
-              <a:t>24/08/2023</a:t>
+              <a:t>29/02/2024</a:t>
             </a:fld>
             <a:endParaRPr lang="es-MX" dirty="0"/>
           </a:p>
@@ -1575,7 +1575,7 @@
           <a:p>
             <a:fld id="{52A58D3C-5A37-463D-B2C9-8DF65AE0B01C}" type="slidenum">
               <a:rPr lang="es-MX" smtClean="0"/>
-              <a:t>‹Nº›</a:t>
+              <a:t>‹#›</a:t>
             </a:fld>
             <a:endParaRPr lang="es-MX" dirty="0"/>
           </a:p>
@@ -1686,7 +1686,7 @@
           <a:p>
             <a:fld id="{1D8BD707-D9CF-40AE-B4C6-C98DA3205C09}" type="datetimeFigureOut">
               <a:rPr lang="en-US" smtClean="0"/>
-              <a:t>8/24/2023</a:t>
+              <a:t>2/29/2024</a:t>
             </a:fld>
             <a:endParaRPr lang="en-US" dirty="0"/>
           </a:p>
@@ -1716,7 +1716,7 @@
                 <a:cs typeface="Calibri"/>
               </a:rPr>
               <a:pPr marL="25400"/>
-              <a:t>‹Nº›</a:t>
+              <a:t>‹#›</a:t>
             </a:fld>
             <a:endParaRPr lang="es-MX" dirty="0">
               <a:cs typeface="Calibri"/>
@@ -2015,7 +2015,7 @@
             <a:fld id="{D829B6A8-D253-4D4B-A3FA-70749FCD26F0}" type="slidenum">
               <a:rPr lang="es-ES" altLang="es-MX"/>
               <a:pPr/>
-              <a:t>‹Nº›</a:t>
+              <a:t>‹#›</a:t>
             </a:fld>
             <a:endParaRPr lang="es-ES" altLang="es-MX" dirty="0"/>
           </a:p>
@@ -2143,7 +2143,7 @@
           <a:p>
             <a:fld id="{B3F3E716-CACC-4490-AD07-F24B6A68DE47}" type="datetimeFigureOut">
               <a:rPr lang="es-MX" smtClean="0"/>
-              <a:t>24/08/2023</a:t>
+              <a:t>29/02/2024</a:t>
             </a:fld>
             <a:endParaRPr lang="es-MX" dirty="0"/>
           </a:p>
@@ -2185,7 +2185,7 @@
           <a:p>
             <a:fld id="{52A58D3C-5A37-463D-B2C9-8DF65AE0B01C}" type="slidenum">
               <a:rPr lang="es-MX" smtClean="0"/>
-              <a:t>‹Nº›</a:t>
+              <a:t>‹#›</a:t>
             </a:fld>
             <a:endParaRPr lang="es-MX" dirty="0"/>
           </a:p>
@@ -2389,7 +2389,7 @@
           <a:p>
             <a:fld id="{B3F3E716-CACC-4490-AD07-F24B6A68DE47}" type="datetimeFigureOut">
               <a:rPr lang="es-MX" smtClean="0"/>
-              <a:t>24/08/2023</a:t>
+              <a:t>29/02/2024</a:t>
             </a:fld>
             <a:endParaRPr lang="es-MX" dirty="0"/>
           </a:p>
@@ -2431,7 +2431,7 @@
           <a:p>
             <a:fld id="{52A58D3C-5A37-463D-B2C9-8DF65AE0B01C}" type="slidenum">
               <a:rPr lang="es-MX" smtClean="0"/>
-              <a:t>‹Nº›</a:t>
+              <a:t>‹#›</a:t>
             </a:fld>
             <a:endParaRPr lang="es-MX" dirty="0"/>
           </a:p>
@@ -2677,7 +2677,7 @@
           <a:p>
             <a:fld id="{B3F3E716-CACC-4490-AD07-F24B6A68DE47}" type="datetimeFigureOut">
               <a:rPr lang="es-MX" smtClean="0"/>
-              <a:t>24/08/2023</a:t>
+              <a:t>29/02/2024</a:t>
             </a:fld>
             <a:endParaRPr lang="es-MX" dirty="0"/>
           </a:p>
@@ -2719,7 +2719,7 @@
           <a:p>
             <a:fld id="{52A58D3C-5A37-463D-B2C9-8DF65AE0B01C}" type="slidenum">
               <a:rPr lang="es-MX" smtClean="0"/>
-              <a:t>‹Nº›</a:t>
+              <a:t>‹#›</a:t>
             </a:fld>
             <a:endParaRPr lang="es-MX" dirty="0"/>
           </a:p>
@@ -3099,7 +3099,7 @@
           <a:p>
             <a:fld id="{B3F3E716-CACC-4490-AD07-F24B6A68DE47}" type="datetimeFigureOut">
               <a:rPr lang="es-MX" smtClean="0"/>
-              <a:t>24/08/2023</a:t>
+              <a:t>29/02/2024</a:t>
             </a:fld>
             <a:endParaRPr lang="es-MX" dirty="0"/>
           </a:p>
@@ -3141,7 +3141,7 @@
           <a:p>
             <a:fld id="{52A58D3C-5A37-463D-B2C9-8DF65AE0B01C}" type="slidenum">
               <a:rPr lang="es-MX" smtClean="0"/>
-              <a:t>‹Nº›</a:t>
+              <a:t>‹#›</a:t>
             </a:fld>
             <a:endParaRPr lang="es-MX" dirty="0"/>
           </a:p>
@@ -3217,7 +3217,7 @@
           <a:p>
             <a:fld id="{B3F3E716-CACC-4490-AD07-F24B6A68DE47}" type="datetimeFigureOut">
               <a:rPr lang="es-MX" smtClean="0"/>
-              <a:t>24/08/2023</a:t>
+              <a:t>29/02/2024</a:t>
             </a:fld>
             <a:endParaRPr lang="es-MX" dirty="0"/>
           </a:p>
@@ -3259,7 +3259,7 @@
           <a:p>
             <a:fld id="{52A58D3C-5A37-463D-B2C9-8DF65AE0B01C}" type="slidenum">
               <a:rPr lang="es-MX" smtClean="0"/>
-              <a:t>‹Nº›</a:t>
+              <a:t>‹#›</a:t>
             </a:fld>
             <a:endParaRPr lang="es-MX" dirty="0"/>
           </a:p>
@@ -3312,7 +3312,7 @@
           <a:p>
             <a:fld id="{B3F3E716-CACC-4490-AD07-F24B6A68DE47}" type="datetimeFigureOut">
               <a:rPr lang="es-MX" smtClean="0"/>
-              <a:t>24/08/2023</a:t>
+              <a:t>29/02/2024</a:t>
             </a:fld>
             <a:endParaRPr lang="es-MX" dirty="0"/>
           </a:p>
@@ -3354,7 +3354,7 @@
           <a:p>
             <a:fld id="{52A58D3C-5A37-463D-B2C9-8DF65AE0B01C}" type="slidenum">
               <a:rPr lang="es-MX" smtClean="0"/>
-              <a:t>‹Nº›</a:t>
+              <a:t>‹#›</a:t>
             </a:fld>
             <a:endParaRPr lang="es-MX" dirty="0"/>
           </a:p>
@@ -3589,7 +3589,7 @@
           <a:p>
             <a:fld id="{B3F3E716-CACC-4490-AD07-F24B6A68DE47}" type="datetimeFigureOut">
               <a:rPr lang="es-MX" smtClean="0"/>
-              <a:t>24/08/2023</a:t>
+              <a:t>29/02/2024</a:t>
             </a:fld>
             <a:endParaRPr lang="es-MX" dirty="0"/>
           </a:p>
@@ -3631,7 +3631,7 @@
           <a:p>
             <a:fld id="{52A58D3C-5A37-463D-B2C9-8DF65AE0B01C}" type="slidenum">
               <a:rPr lang="es-MX" smtClean="0"/>
-              <a:t>‹Nº›</a:t>
+              <a:t>‹#›</a:t>
             </a:fld>
             <a:endParaRPr lang="es-MX" dirty="0"/>
           </a:p>
@@ -3842,7 +3842,7 @@
           <a:p>
             <a:fld id="{B3F3E716-CACC-4490-AD07-F24B6A68DE47}" type="datetimeFigureOut">
               <a:rPr lang="es-MX" smtClean="0"/>
-              <a:t>24/08/2023</a:t>
+              <a:t>29/02/2024</a:t>
             </a:fld>
             <a:endParaRPr lang="es-MX" dirty="0"/>
           </a:p>
@@ -3884,7 +3884,7 @@
           <a:p>
             <a:fld id="{52A58D3C-5A37-463D-B2C9-8DF65AE0B01C}" type="slidenum">
               <a:rPr lang="es-MX" smtClean="0"/>
-              <a:t>‹Nº›</a:t>
+              <a:t>‹#›</a:t>
             </a:fld>
             <a:endParaRPr lang="es-MX" dirty="0"/>
           </a:p>
@@ -4055,7 +4055,7 @@
           <a:p>
             <a:fld id="{B3F3E716-CACC-4490-AD07-F24B6A68DE47}" type="datetimeFigureOut">
               <a:rPr lang="es-MX" smtClean="0"/>
-              <a:t>24/08/2023</a:t>
+              <a:t>29/02/2024</a:t>
             </a:fld>
             <a:endParaRPr lang="es-MX" dirty="0"/>
           </a:p>
@@ -4133,7 +4133,7 @@
           <a:p>
             <a:fld id="{52A58D3C-5A37-463D-B2C9-8DF65AE0B01C}" type="slidenum">
               <a:rPr lang="es-MX" smtClean="0"/>
-              <a:t>‹Nº›</a:t>
+              <a:t>‹#›</a:t>
             </a:fld>
             <a:endParaRPr lang="es-MX" dirty="0"/>
           </a:p>
@@ -18187,9 +18187,7 @@
             <a:r>
               <a:rPr lang="es-ES" b="1" dirty="0">
                 <a:solidFill>
-                  <a:schemeClr val="accent6">
-                    <a:lumMod val="75000"/>
-                  </a:schemeClr>
+                  <a:srgbClr val="FF0000"/>
                 </a:solidFill>
               </a:rPr>
               <a:t>atributos de instancia </a:t>
@@ -18231,7 +18229,7 @@
         </p:blipFill>
         <p:spPr>
           <a:xfrm>
-            <a:off x="3442917" y="2924944"/>
+            <a:off x="3419872" y="2996952"/>
             <a:ext cx="5148684" cy="3340480"/>
           </a:xfrm>
           <a:prstGeom prst="rect">
@@ -18253,7 +18251,7 @@
         </p:nvSpPr>
         <p:spPr>
           <a:xfrm>
-            <a:off x="3730949" y="3212976"/>
+            <a:off x="3707904" y="3284984"/>
             <a:ext cx="1944216" cy="360040"/>
           </a:xfrm>
           <a:prstGeom prst="rect">
@@ -18307,7 +18305,7 @@
         </p:nvSpPr>
         <p:spPr>
           <a:xfrm>
-            <a:off x="4073043" y="3923438"/>
+            <a:off x="4049998" y="3995446"/>
             <a:ext cx="4518558" cy="657690"/>
           </a:xfrm>
           <a:prstGeom prst="rect">
@@ -18342,6 +18340,86 @@
           <a:p>
             <a:pPr algn="ctr"/>
             <a:endParaRPr lang="es-MX"/>
+          </a:p>
+        </p:txBody>
+      </p:sp>
+      <p:sp>
+        <p:nvSpPr>
+          <p:cNvPr id="2" name="TextBox 1">
+            <a:extLst>
+              <a:ext uri="{FF2B5EF4-FFF2-40B4-BE49-F238E27FC236}">
+                <a16:creationId xmlns:a16="http://schemas.microsoft.com/office/drawing/2014/main" id="{34979C2E-2758-8536-1AD2-D2214A95A2B9}"/>
+              </a:ext>
+            </a:extLst>
+          </p:cNvPr>
+          <p:cNvSpPr txBox="1"/>
+          <p:nvPr/>
+        </p:nvSpPr>
+        <p:spPr>
+          <a:xfrm>
+            <a:off x="1811751" y="3275692"/>
+            <a:ext cx="1763368" cy="338554"/>
+          </a:xfrm>
+          <a:prstGeom prst="rect">
+            <a:avLst/>
+          </a:prstGeom>
+          <a:noFill/>
+        </p:spPr>
+        <p:txBody>
+          <a:bodyPr wrap="none" rtlCol="0">
+            <a:spAutoFit/>
+          </a:bodyPr>
+          <a:lstStyle/>
+          <a:p>
+            <a:r>
+              <a:rPr lang="es-MX" sz="1600" b="1" dirty="0">
+                <a:solidFill>
+                  <a:schemeClr val="accent6">
+                    <a:lumMod val="75000"/>
+                  </a:schemeClr>
+                </a:solidFill>
+              </a:rPr>
+              <a:t>Atributos de clase</a:t>
+            </a:r>
+          </a:p>
+        </p:txBody>
+      </p:sp>
+      <p:sp>
+        <p:nvSpPr>
+          <p:cNvPr id="3" name="TextBox 2">
+            <a:extLst>
+              <a:ext uri="{FF2B5EF4-FFF2-40B4-BE49-F238E27FC236}">
+                <a16:creationId xmlns:a16="http://schemas.microsoft.com/office/drawing/2014/main" id="{559ADC14-6E43-FCB1-E6F1-6DBA648ECD3C}"/>
+              </a:ext>
+            </a:extLst>
+          </p:cNvPr>
+          <p:cNvSpPr txBox="1"/>
+          <p:nvPr/>
+        </p:nvSpPr>
+        <p:spPr>
+          <a:xfrm>
+            <a:off x="1971567" y="4155014"/>
+            <a:ext cx="2042803" cy="338554"/>
+          </a:xfrm>
+          <a:prstGeom prst="rect">
+            <a:avLst/>
+          </a:prstGeom>
+          <a:noFill/>
+        </p:spPr>
+        <p:txBody>
+          <a:bodyPr wrap="none" rtlCol="0">
+            <a:spAutoFit/>
+          </a:bodyPr>
+          <a:lstStyle/>
+          <a:p>
+            <a:r>
+              <a:rPr lang="es-MX" sz="1600" b="1" dirty="0">
+                <a:solidFill>
+                  <a:srgbClr val="FF0000"/>
+                </a:solidFill>
+              </a:rPr>
+              <a:t>Atributos de instancia</a:t>
+            </a:r>
           </a:p>
         </p:txBody>
       </p:sp>
@@ -33765,7 +33843,7 @@
               <a:rPr lang="es-ES_tradnl" altLang="es-MX" sz="2000" dirty="0">
                 <a:latin typeface="Dom Casual" charset="0"/>
               </a:rPr>
-              <a:t>Es una entidad particular de la clase y cuyas características están definidas con valores únicos para ese objeto.</a:t>
+              <a:t>Es una entidad particular de la clase y sus características están definidas con valores únicos para ese objeto.</a:t>
             </a:r>
           </a:p>
           <a:p>

--- a/Calendario2024/presentaciones/14_POO.pptx
+++ b/Calendario2024/presentaciones/14_POO.pptx
@@ -31832,7 +31832,7 @@
                 </a:solidFill>
                 <a:latin typeface="Dom Casual" charset="0"/>
               </a:rPr>
-              <a:t> que regrese en un </a:t>
+              <a:t> que imprime un </a:t>
             </a:r>
             <a:r>
               <a:rPr lang="es-ES" altLang="es-MX" sz="1400" dirty="0" err="1">
@@ -31846,7 +31846,7 @@
               <a:t>string</a:t>
             </a:r>
             <a:r>
-              <a:rPr lang="es-ES" altLang="es-MX" sz="1400" dirty="0">
+              <a:rPr lang="es-ES" altLang="es-MX" sz="1400">
                 <a:solidFill>
                   <a:schemeClr val="bg2">
                     <a:lumMod val="10000"/>
@@ -31854,7 +31854,18 @@
                 </a:solidFill>
                 <a:latin typeface="Dom Casual" charset="0"/>
               </a:rPr>
-              <a:t> la concatenación de los </a:t>
+              <a:t> con </a:t>
+            </a:r>
+            <a:r>
+              <a:rPr lang="es-ES" altLang="es-MX" sz="1400" dirty="0">
+                <a:solidFill>
+                  <a:schemeClr val="bg2">
+                    <a:lumMod val="10000"/>
+                  </a:schemeClr>
+                </a:solidFill>
+                <a:latin typeface="Dom Casual" charset="0"/>
+              </a:rPr>
+              <a:t>la concatenación de los </a:t>
             </a:r>
             <a:r>
               <a:rPr lang="es-ES" altLang="es-MX" sz="1400" b="1" dirty="0">
